--- a/PPT/Promotion.pptx
+++ b/PPT/Promotion.pptx
@@ -11,7 +11,7 @@
     <p:handoutMasterId r:id="rId8"/>
   </p:handoutMasterIdLst>
   <p:sldIdLst>
-    <p:sldId id="557" r:id="rId2"/>
+    <p:sldId id="562" r:id="rId2"/>
     <p:sldId id="561" r:id="rId3"/>
     <p:sldId id="559" r:id="rId4"/>
     <p:sldId id="560" r:id="rId5"/>
@@ -6820,7 +6820,7 @@
           <a:p>
             <a:fld id="{D535C4E1-3598-4FB2-9C4D-3A4A548B4D92}" type="datetimeFigureOut">
               <a:rPr lang="en-IN" smtClean="0"/>
-              <a:t>10-03-2022</a:t>
+              <a:t>14-03-2022</a:t>
             </a:fld>
             <a:endParaRPr lang="en-IN"/>
           </a:p>
@@ -6997,7 +6997,7 @@
           <a:p>
             <a:fld id="{870A30F6-B092-42A4-B3EB-009C0FF69F13}" type="datetimeFigureOut">
               <a:rPr lang="en-IN" smtClean="0"/>
-              <a:t>10-03-2022</a:t>
+              <a:t>14-03-2022</a:t>
             </a:fld>
             <a:endParaRPr lang="en-IN"/>
           </a:p>
@@ -7427,7 +7427,7 @@
           <a:p>
             <a:fld id="{031E486F-A49C-43B7-8CDE-67C9D01261A6}" type="datetimeFigureOut">
               <a:rPr lang="en-IN" smtClean="0"/>
-              <a:t>10-03-2022</a:t>
+              <a:t>14-03-2022</a:t>
             </a:fld>
             <a:endParaRPr lang="en-IN"/>
           </a:p>
@@ -7552,7 +7552,7 @@
           <a:p>
             <a:fld id="{031E486F-A49C-43B7-8CDE-67C9D01261A6}" type="datetimeFigureOut">
               <a:rPr lang="en-IN" smtClean="0"/>
-              <a:t>10-03-2022</a:t>
+              <a:t>14-03-2022</a:t>
             </a:fld>
             <a:endParaRPr lang="en-IN"/>
           </a:p>
@@ -7687,7 +7687,7 @@
           <a:p>
             <a:fld id="{031E486F-A49C-43B7-8CDE-67C9D01261A6}" type="datetimeFigureOut">
               <a:rPr lang="en-IN" smtClean="0"/>
-              <a:t>10-03-2022</a:t>
+              <a:t>14-03-2022</a:t>
             </a:fld>
             <a:endParaRPr lang="en-IN"/>
           </a:p>
@@ -7820,7 +7820,7 @@
           <a:p>
             <a:fld id="{031E486F-A49C-43B7-8CDE-67C9D01261A6}" type="datetimeFigureOut">
               <a:rPr lang="en-IN" smtClean="0"/>
-              <a:t>10-03-2022</a:t>
+              <a:t>14-03-2022</a:t>
             </a:fld>
             <a:endParaRPr lang="en-IN"/>
           </a:p>
@@ -8000,7 +8000,7 @@
           <a:p>
             <a:fld id="{031E486F-A49C-43B7-8CDE-67C9D01261A6}" type="datetimeFigureOut">
               <a:rPr lang="en-IN" smtClean="0"/>
-              <a:t>10-03-2022</a:t>
+              <a:t>14-03-2022</a:t>
             </a:fld>
             <a:endParaRPr lang="en-IN"/>
           </a:p>
@@ -8133,7 +8133,7 @@
           <a:p>
             <a:fld id="{031E486F-A49C-43B7-8CDE-67C9D01261A6}" type="datetimeFigureOut">
               <a:rPr lang="en-IN" smtClean="0"/>
-              <a:t>10-03-2022</a:t>
+              <a:t>14-03-2022</a:t>
             </a:fld>
             <a:endParaRPr lang="en-IN"/>
           </a:p>
@@ -8313,7 +8313,7 @@
           <a:p>
             <a:fld id="{031E486F-A49C-43B7-8CDE-67C9D01261A6}" type="datetimeFigureOut">
               <a:rPr lang="en-IN" smtClean="0"/>
-              <a:t>10-03-2022</a:t>
+              <a:t>14-03-2022</a:t>
             </a:fld>
             <a:endParaRPr lang="en-IN"/>
           </a:p>
@@ -8493,7 +8493,7 @@
           <a:p>
             <a:fld id="{031E486F-A49C-43B7-8CDE-67C9D01261A6}" type="datetimeFigureOut">
               <a:rPr lang="en-IN" smtClean="0"/>
-              <a:t>10-03-2022</a:t>
+              <a:t>14-03-2022</a:t>
             </a:fld>
             <a:endParaRPr lang="en-IN"/>
           </a:p>
@@ -8673,7 +8673,7 @@
           <a:p>
             <a:fld id="{031E486F-A49C-43B7-8CDE-67C9D01261A6}" type="datetimeFigureOut">
               <a:rPr lang="en-IN" smtClean="0"/>
-              <a:t>10-03-2022</a:t>
+              <a:t>14-03-2022</a:t>
             </a:fld>
             <a:endParaRPr lang="en-IN"/>
           </a:p>
@@ -8998,7 +8998,7 @@
           <a:p>
             <a:fld id="{031E486F-A49C-43B7-8CDE-67C9D01261A6}" type="datetimeFigureOut">
               <a:rPr lang="en-IN" smtClean="0"/>
-              <a:t>10-03-2022</a:t>
+              <a:t>14-03-2022</a:t>
             </a:fld>
             <a:endParaRPr lang="en-IN"/>
           </a:p>
@@ -9299,7 +9299,7 @@
           <a:p>
             <a:fld id="{031E486F-A49C-43B7-8CDE-67C9D01261A6}" type="datetimeFigureOut">
               <a:rPr lang="en-IN" smtClean="0"/>
-              <a:t>10-03-2022</a:t>
+              <a:t>14-03-2022</a:t>
             </a:fld>
             <a:endParaRPr lang="en-IN"/>
           </a:p>
@@ -9551,7 +9551,7 @@
           <a:p>
             <a:fld id="{031E486F-A49C-43B7-8CDE-67C9D01261A6}" type="datetimeFigureOut">
               <a:rPr lang="en-IN" smtClean="0"/>
-              <a:t>10-03-2022</a:t>
+              <a:t>14-03-2022</a:t>
             </a:fld>
             <a:endParaRPr lang="en-IN"/>
           </a:p>
@@ -9763,7 +9763,7 @@
           <a:p>
             <a:fld id="{031E486F-A49C-43B7-8CDE-67C9D01261A6}" type="datetimeFigureOut">
               <a:rPr lang="en-IN" smtClean="0"/>
-              <a:t>10-03-2022</a:t>
+              <a:t>14-03-2022</a:t>
             </a:fld>
             <a:endParaRPr lang="en-IN"/>
           </a:p>
@@ -9985,7 +9985,7 @@
           <a:p>
             <a:fld id="{031E486F-A49C-43B7-8CDE-67C9D01261A6}" type="datetimeFigureOut">
               <a:rPr lang="en-IN" smtClean="0"/>
-              <a:t>10-03-2022</a:t>
+              <a:t>14-03-2022</a:t>
             </a:fld>
             <a:endParaRPr lang="en-IN"/>
           </a:p>
@@ -10238,7 +10238,7 @@
           <a:p>
             <a:fld id="{031E486F-A49C-43B7-8CDE-67C9D01261A6}" type="datetimeFigureOut">
               <a:rPr lang="en-IN" smtClean="0"/>
-              <a:t>10-03-2022</a:t>
+              <a:t>14-03-2022</a:t>
             </a:fld>
             <a:endParaRPr lang="en-IN"/>
           </a:p>
@@ -10493,7 +10493,7 @@
           <a:p>
             <a:fld id="{031E486F-A49C-43B7-8CDE-67C9D01261A6}" type="datetimeFigureOut">
               <a:rPr lang="en-IN" smtClean="0"/>
-              <a:t>10-03-2022</a:t>
+              <a:t>14-03-2022</a:t>
             </a:fld>
             <a:endParaRPr lang="en-IN"/>
           </a:p>
@@ -10826,7 +10826,7 @@
           <a:p>
             <a:fld id="{031E486F-A49C-43B7-8CDE-67C9D01261A6}" type="datetimeFigureOut">
               <a:rPr lang="en-IN" smtClean="0"/>
-              <a:t>10-03-2022</a:t>
+              <a:t>14-03-2022</a:t>
             </a:fld>
             <a:endParaRPr lang="en-IN"/>
           </a:p>
@@ -11286,7 +11286,7 @@
           <a:p>
             <a:fld id="{031E486F-A49C-43B7-8CDE-67C9D01261A6}" type="datetimeFigureOut">
               <a:rPr lang="en-IN" smtClean="0"/>
-              <a:t>10-03-2022</a:t>
+              <a:t>14-03-2022</a:t>
             </a:fld>
             <a:endParaRPr lang="en-IN"/>
           </a:p>
@@ -11566,7 +11566,7 @@
           <a:p>
             <a:fld id="{031E486F-A49C-43B7-8CDE-67C9D01261A6}" type="datetimeFigureOut">
               <a:rPr lang="en-IN" smtClean="0"/>
-              <a:t>10-03-2022</a:t>
+              <a:t>14-03-2022</a:t>
             </a:fld>
             <a:endParaRPr lang="en-IN"/>
           </a:p>
@@ -11993,7 +11993,7 @@
           <a:p>
             <a:fld id="{031E486F-A49C-43B7-8CDE-67C9D01261A6}" type="datetimeFigureOut">
               <a:rPr lang="en-IN" smtClean="0"/>
-              <a:t>10-03-2022</a:t>
+              <a:t>14-03-2022</a:t>
             </a:fld>
             <a:endParaRPr lang="en-IN"/>
           </a:p>
@@ -12147,7 +12147,7 @@
           <a:p>
             <a:fld id="{031E486F-A49C-43B7-8CDE-67C9D01261A6}" type="datetimeFigureOut">
               <a:rPr lang="en-IN" smtClean="0"/>
-              <a:t>10-03-2022</a:t>
+              <a:t>14-03-2022</a:t>
             </a:fld>
             <a:endParaRPr lang="en-IN"/>
           </a:p>
@@ -12363,7 +12363,7 @@
           <a:p>
             <a:fld id="{031E486F-A49C-43B7-8CDE-67C9D01261A6}" type="datetimeFigureOut">
               <a:rPr lang="en-IN" smtClean="0"/>
-              <a:t>10-03-2022</a:t>
+              <a:t>14-03-2022</a:t>
             </a:fld>
             <a:endParaRPr lang="en-IN"/>
           </a:p>
@@ -12843,10 +12843,10 @@
       </p:grpSpPr>
       <p:sp>
         <p:nvSpPr>
-          <p:cNvPr id="3" name="Subtitle 2">
+          <p:cNvPr id="2" name="Title 1">
             <a:extLst>
               <a:ext uri="{FF2B5EF4-FFF2-40B4-BE49-F238E27FC236}">
-                <a16:creationId xmlns:a16="http://schemas.microsoft.com/office/drawing/2014/main" id="{75FF5A2C-6372-43D6-9A35-2166C27A02BA}"/>
+                <a16:creationId xmlns:a16="http://schemas.microsoft.com/office/drawing/2014/main" id="{7E264499-045E-4C78-AB46-8D57970FD4A9}"/>
               </a:ext>
             </a:extLst>
           </p:cNvPr>
@@ -12854,52 +12854,55 @@
             <a:spLocks noGrp="1"/>
           </p:cNvSpPr>
           <p:nvPr>
-            <p:ph type="subTitle" idx="1"/>
+            <p:ph type="ctrTitle"/>
           </p:nvPr>
         </p:nvSpPr>
         <p:spPr>
           <a:xfrm>
-            <a:off x="1524000" y="3802063"/>
-            <a:ext cx="9144000" cy="1655762"/>
+            <a:off x="1523997" y="3802307"/>
+            <a:ext cx="9144000" cy="885041"/>
           </a:xfrm>
         </p:spPr>
         <p:txBody>
           <a:bodyPr>
-            <a:normAutofit/>
+            <a:normAutofit fontScale="90000"/>
           </a:bodyPr>
           <a:lstStyle/>
           <a:p>
+            <a:br>
+              <a:rPr lang="en-IN" dirty="0">
+                <a:solidFill>
+                  <a:schemeClr val="tx1"/>
+                </a:solidFill>
+              </a:rPr>
+            </a:br>
             <a:r>
-              <a:rPr lang="en-US" sz="3200" b="1" dirty="0">
+              <a:rPr lang="en-IN" sz="4000" dirty="0">
                 <a:solidFill>
-                  <a:srgbClr val="EE707B"/>
+                  <a:schemeClr val="tx1"/>
                 </a:solidFill>
-                <a:latin typeface="Script MT Bold" panose="03040602040607080904" pitchFamily="66" charset="0"/>
-                <a:ea typeface="Segoe UI Black" panose="020B0A02040204020203" pitchFamily="34" charset="0"/>
               </a:rPr>
-              <a:t>For Data Science</a:t>
+              <a:t>Custom Object Detection</a:t>
             </a:r>
-            <a:endParaRPr lang="en-IN" sz="3200" b="1" dirty="0">
+            <a:endParaRPr lang="en-IN" dirty="0">
               <a:solidFill>
-                <a:srgbClr val="EE707B"/>
+                <a:schemeClr val="tx1"/>
               </a:solidFill>
-              <a:latin typeface="Script MT Bold" panose="03040602040607080904" pitchFamily="66" charset="0"/>
-              <a:ea typeface="Segoe UI Black" panose="020B0A02040204020203" pitchFamily="34" charset="0"/>
             </a:endParaRPr>
           </a:p>
         </p:txBody>
       </p:sp>
       <p:pic>
         <p:nvPicPr>
-          <p:cNvPr id="4" name="Graphic 3">
+          <p:cNvPr id="1026" name="Picture 2" descr="Yolo Framework | Object Detection Using Yolo">
             <a:extLst>
               <a:ext uri="{FF2B5EF4-FFF2-40B4-BE49-F238E27FC236}">
-                <a16:creationId xmlns:a16="http://schemas.microsoft.com/office/drawing/2014/main" id="{1F4807A0-AAFC-453B-8B1F-FF83226F744C}"/>
+                <a16:creationId xmlns:a16="http://schemas.microsoft.com/office/drawing/2014/main" id="{AEE24BE4-9402-47A4-9D9D-CF77C74EE3A4}"/>
               </a:ext>
             </a:extLst>
           </p:cNvPr>
           <p:cNvPicPr>
-            <a:picLocks noChangeAspect="1"/>
+            <a:picLocks noChangeAspect="1" noChangeArrowheads="1"/>
           </p:cNvPicPr>
           <p:nvPr/>
         </p:nvPicPr>
@@ -12909,29 +12912,37 @@
               <a:ext uri="{28A0092B-C50C-407E-A947-70E740481C1C}">
                 <a14:useLocalDpi xmlns:a14="http://schemas.microsoft.com/office/drawing/2010/main" val="0"/>
               </a:ext>
-              <a:ext uri="{96DAC541-7B7A-43D3-8B79-37D633B846F1}">
-                <asvg:svgBlip xmlns:asvg="http://schemas.microsoft.com/office/drawing/2016/SVG/main" r:embed="rId3"/>
-              </a:ext>
             </a:extLst>
           </a:blip>
+          <a:srcRect/>
           <a:stretch>
             <a:fillRect/>
           </a:stretch>
         </p:blipFill>
-        <p:spPr>
+        <p:spPr bwMode="auto">
           <a:xfrm>
-            <a:off x="3545469" y="2359901"/>
-            <a:ext cx="4472412" cy="1242847"/>
+            <a:off x="4355975" y="1776885"/>
+            <a:ext cx="3480045" cy="1847868"/>
           </a:xfrm>
           <a:prstGeom prst="rect">
             <a:avLst/>
           </a:prstGeom>
+          <a:noFill/>
+          <a:extLst>
+            <a:ext uri="{909E8E84-426E-40DD-AFC4-6F175D3DCCD1}">
+              <a14:hiddenFill xmlns:a14="http://schemas.microsoft.com/office/drawing/2010/main">
+                <a:solidFill>
+                  <a:srgbClr val="FFFFFF"/>
+                </a:solidFill>
+              </a14:hiddenFill>
+            </a:ext>
+          </a:extLst>
         </p:spPr>
       </p:pic>
     </p:spTree>
     <p:extLst>
       <p:ext uri="{BB962C8B-B14F-4D97-AF65-F5344CB8AC3E}">
-        <p14:creationId xmlns:p14="http://schemas.microsoft.com/office/powerpoint/2010/main" val="2895459458"/>
+        <p14:creationId xmlns:p14="http://schemas.microsoft.com/office/powerpoint/2010/main" val="1002000668"/>
       </p:ext>
     </p:extLst>
   </p:cSld>
